--- a/Convolutional_Neural_Networks_CNNs.pptx
+++ b/Convolutional_Neural_Networks_CNNs.pptx
@@ -6,8 +6,8 @@
   </p:sldMasterIdLst>
   <p:sldIdLst>
     <p:sldId id="256" r:id="rId2"/>
-    <p:sldId id="257" r:id="rId3"/>
-    <p:sldId id="274" r:id="rId4"/>
+    <p:sldId id="274" r:id="rId3"/>
+    <p:sldId id="257" r:id="rId4"/>
     <p:sldId id="258" r:id="rId5"/>
     <p:sldId id="259" r:id="rId6"/>
     <p:sldId id="276" r:id="rId7"/>
@@ -20940,1212 +20940,6 @@
 <file path=ppt/slides/slide2.xml><?xml version="1.0" encoding="utf-8"?>
 <p:sld xmlns:a="http://schemas.openxmlformats.org/drawingml/2006/main" xmlns:r="http://schemas.openxmlformats.org/officeDocument/2006/relationships" xmlns:p="http://schemas.openxmlformats.org/presentationml/2006/main">
   <p:cSld>
-    <p:spTree>
-      <p:nvGrpSpPr>
-        <p:cNvPr id="1" name=""/>
-        <p:cNvGrpSpPr/>
-        <p:nvPr/>
-      </p:nvGrpSpPr>
-      <p:grpSpPr>
-        <a:xfrm>
-          <a:off x="0" y="0"/>
-          <a:ext cx="0" cy="0"/>
-          <a:chOff x="0" y="0"/>
-          <a:chExt cx="0" cy="0"/>
-        </a:xfrm>
-      </p:grpSpPr>
-      <p:sp>
-        <p:nvSpPr>
-          <p:cNvPr id="2" name="Title 1"/>
-          <p:cNvSpPr>
-            <a:spLocks noGrp="1"/>
-          </p:cNvSpPr>
-          <p:nvPr>
-            <p:ph type="title"/>
-          </p:nvPr>
-        </p:nvSpPr>
-        <p:spPr/>
-        <p:txBody>
-          <a:bodyPr/>
-          <a:lstStyle/>
-          <a:p>
-            <a:r>
-              <a:t>Why CNNs?</a:t>
-            </a:r>
-          </a:p>
-        </p:txBody>
-      </p:sp>
-      <p:sp>
-        <p:nvSpPr>
-          <p:cNvPr id="3" name="Content Placeholder 2"/>
-          <p:cNvSpPr>
-            <a:spLocks noGrp="1"/>
-          </p:cNvSpPr>
-          <p:nvPr>
-            <p:ph idx="1"/>
-          </p:nvPr>
-        </p:nvSpPr>
-        <p:spPr/>
-        <p:txBody>
-          <a:bodyPr/>
-          <a:lstStyle/>
-          <a:p>
-            <a:pPr>
-              <a:defRPr sz="1800"/>
-            </a:pPr>
-            <a:r>
-              <a:t>Images have local structure and spatially-correlated pixels.</a:t>
-            </a:r>
-          </a:p>
-          <a:p>
-            <a:pPr>
-              <a:defRPr sz="1800"/>
-            </a:pPr>
-            <a:r>
-              <a:t>Convolutions exploit locality and parameter sharing.</a:t>
-            </a:r>
-          </a:p>
-          <a:p>
-            <a:pPr>
-              <a:defRPr sz="1800"/>
-            </a:pPr>
-            <a:r>
-              <a:t>Far fewer parameters than dense networks for images.</a:t>
-            </a:r>
-          </a:p>
-          <a:p>
-            <a:pPr>
-              <a:defRPr sz="1800"/>
-            </a:pPr>
-            <a:r>
-              <a:t>Translation equivariance: same feature detected anywhere.</a:t>
-            </a:r>
-          </a:p>
-        </p:txBody>
-      </p:sp>
-    </p:spTree>
-  </p:cSld>
-  <p:clrMapOvr>
-    <a:masterClrMapping/>
-  </p:clrMapOvr>
-</p:sld>
-</file>
-
-<file path=ppt/slides/slide20.xml><?xml version="1.0" encoding="utf-8"?>
-<p:sld xmlns:a="http://schemas.openxmlformats.org/drawingml/2006/main" xmlns:r="http://schemas.openxmlformats.org/officeDocument/2006/relationships" xmlns:p="http://schemas.openxmlformats.org/presentationml/2006/main">
-  <p:cSld>
-    <p:spTree>
-      <p:nvGrpSpPr>
-        <p:cNvPr id="1" name=""/>
-        <p:cNvGrpSpPr/>
-        <p:nvPr/>
-      </p:nvGrpSpPr>
-      <p:grpSpPr>
-        <a:xfrm>
-          <a:off x="0" y="0"/>
-          <a:ext cx="0" cy="0"/>
-          <a:chOff x="0" y="0"/>
-          <a:chExt cx="0" cy="0"/>
-        </a:xfrm>
-      </p:grpSpPr>
-      <p:sp>
-        <p:nvSpPr>
-          <p:cNvPr id="3" name="TextBox 2"/>
-          <p:cNvSpPr txBox="1"/>
-          <p:nvPr/>
-        </p:nvSpPr>
-        <p:spPr>
-          <a:xfrm>
-            <a:off x="457200" y="548640"/>
-            <a:ext cx="8229600" cy="5909310"/>
-          </a:xfrm>
-          <a:prstGeom prst="rect">
-            <a:avLst/>
-          </a:prstGeom>
-          <a:noFill/>
-        </p:spPr>
-        <p:txBody>
-          <a:bodyPr wrap="square">
-            <a:spAutoFit/>
-          </a:bodyPr>
-          <a:lstStyle/>
-          <a:p>
-            <a:pPr>
-              <a:defRPr sz="2000" b="1"/>
-            </a:pPr>
-            <a:r>
-              <a:rPr sz="900" dirty="0"/>
-              <a:t>Demo: tiny CNN in </a:t>
-            </a:r>
-            <a:r>
-              <a:rPr sz="900" dirty="0" err="1"/>
-              <a:t>Keras</a:t>
-            </a:r>
-            <a:r>
-              <a:rPr sz="900" dirty="0"/>
-              <a:t> (MNIST)</a:t>
-            </a:r>
-          </a:p>
-          <a:p>
-            <a:pPr>
-              <a:defRPr sz="1200">
-                <a:latin typeface="Consolas"/>
-              </a:defRPr>
-            </a:pPr>
-            <a:r>
-              <a:rPr sz="900" dirty="0"/>
-              <a:t># </a:t>
-            </a:r>
-            <a:r>
-              <a:rPr sz="900" dirty="0" err="1"/>
-              <a:t>tiny_cnn_mnist.py</a:t>
-            </a:r>
-            <a:br>
-              <a:rPr sz="900" dirty="0"/>
-            </a:br>
-            <a:r>
-              <a:rPr sz="900" dirty="0"/>
-              <a:t>import </a:t>
-            </a:r>
-            <a:r>
-              <a:rPr sz="900" dirty="0" err="1"/>
-              <a:t>tensorflow</a:t>
-            </a:r>
-            <a:r>
-              <a:rPr sz="900" dirty="0"/>
-              <a:t> as </a:t>
-            </a:r>
-            <a:r>
-              <a:rPr sz="900" dirty="0" err="1"/>
-              <a:t>tf</a:t>
-            </a:r>
-            <a:br>
-              <a:rPr sz="900" dirty="0"/>
-            </a:br>
-            <a:r>
-              <a:rPr sz="900" dirty="0"/>
-              <a:t>from </a:t>
-            </a:r>
-            <a:r>
-              <a:rPr sz="900" dirty="0" err="1"/>
-              <a:t>tensorflow.keras</a:t>
-            </a:r>
-            <a:r>
-              <a:rPr sz="900" dirty="0"/>
-              <a:t> import layers, models</a:t>
-            </a:r>
-            <a:br>
-              <a:rPr sz="900" dirty="0"/>
-            </a:br>
-            <a:r>
-              <a:rPr sz="900" dirty="0"/>
-              <a:t>from </a:t>
-            </a:r>
-            <a:r>
-              <a:rPr sz="900" dirty="0" err="1"/>
-              <a:t>tensorflow.keras.utils</a:t>
-            </a:r>
-            <a:r>
-              <a:rPr sz="900" dirty="0"/>
-              <a:t> import </a:t>
-            </a:r>
-            <a:r>
-              <a:rPr sz="900" dirty="0" err="1"/>
-              <a:t>to_categorical</a:t>
-            </a:r>
-            <a:br>
-              <a:rPr sz="900" dirty="0"/>
-            </a:br>
-            <a:br>
-              <a:rPr sz="900" dirty="0"/>
-            </a:br>
-            <a:r>
-              <a:rPr sz="900" dirty="0"/>
-              <a:t># Load data</a:t>
-            </a:r>
-            <a:br>
-              <a:rPr sz="900" dirty="0"/>
-            </a:br>
-            <a:r>
-              <a:rPr sz="900" dirty="0"/>
-              <a:t>(</a:t>
-            </a:r>
-            <a:r>
-              <a:rPr sz="900" dirty="0" err="1"/>
-              <a:t>x_train</a:t>
-            </a:r>
-            <a:r>
-              <a:rPr sz="900" dirty="0"/>
-              <a:t>, </a:t>
-            </a:r>
-            <a:r>
-              <a:rPr sz="900" dirty="0" err="1"/>
-              <a:t>y_train</a:t>
-            </a:r>
-            <a:r>
-              <a:rPr sz="900" dirty="0"/>
-              <a:t>), (</a:t>
-            </a:r>
-            <a:r>
-              <a:rPr sz="900" dirty="0" err="1"/>
-              <a:t>x_test</a:t>
-            </a:r>
-            <a:r>
-              <a:rPr sz="900" dirty="0"/>
-              <a:t>, </a:t>
-            </a:r>
-            <a:r>
-              <a:rPr sz="900" dirty="0" err="1"/>
-              <a:t>y_test</a:t>
-            </a:r>
-            <a:r>
-              <a:rPr sz="900" dirty="0"/>
-              <a:t>) = </a:t>
-            </a:r>
-            <a:r>
-              <a:rPr sz="900" dirty="0" err="1"/>
-              <a:t>tf.keras.datasets.mnist.load_data</a:t>
-            </a:r>
-            <a:r>
-              <a:rPr sz="900" dirty="0"/>
-              <a:t>()</a:t>
-            </a:r>
-            <a:br>
-              <a:rPr sz="900" dirty="0"/>
-            </a:br>
-            <a:br>
-              <a:rPr sz="900" dirty="0"/>
-            </a:br>
-            <a:r>
-              <a:rPr sz="900" dirty="0"/>
-              <a:t># Preprocess: reshape, scale, one-hot</a:t>
-            </a:r>
-            <a:br>
-              <a:rPr sz="900" dirty="0"/>
-            </a:br>
-            <a:r>
-              <a:rPr sz="900" dirty="0" err="1"/>
-              <a:t>x_train</a:t>
-            </a:r>
-            <a:r>
-              <a:rPr sz="900" dirty="0"/>
-              <a:t> = </a:t>
-            </a:r>
-            <a:r>
-              <a:rPr sz="900" dirty="0" err="1"/>
-              <a:t>x_train.astype</a:t>
-            </a:r>
-            <a:r>
-              <a:rPr sz="900" dirty="0"/>
-              <a:t>('float32') / 255.0</a:t>
-            </a:r>
-            <a:br>
-              <a:rPr sz="900" dirty="0"/>
-            </a:br>
-            <a:r>
-              <a:rPr sz="900" dirty="0" err="1"/>
-              <a:t>x_test</a:t>
-            </a:r>
-            <a:r>
-              <a:rPr sz="900" dirty="0"/>
-              <a:t>  = </a:t>
-            </a:r>
-            <a:r>
-              <a:rPr sz="900" dirty="0" err="1"/>
-              <a:t>x_test.astype</a:t>
-            </a:r>
-            <a:r>
-              <a:rPr sz="900" dirty="0"/>
-              <a:t>('float32')  / 255.0</a:t>
-            </a:r>
-            <a:br>
-              <a:rPr sz="900" dirty="0"/>
-            </a:br>
-            <a:br>
-              <a:rPr sz="900" dirty="0"/>
-            </a:br>
-            <a:r>
-              <a:rPr sz="900" dirty="0"/>
-              <a:t># add channel dimension (MNIST is grayscale)</a:t>
-            </a:r>
-            <a:br>
-              <a:rPr sz="900" dirty="0"/>
-            </a:br>
-            <a:r>
-              <a:rPr sz="900" dirty="0" err="1"/>
-              <a:t>x_train</a:t>
-            </a:r>
-            <a:r>
-              <a:rPr sz="900" dirty="0"/>
-              <a:t> = </a:t>
-            </a:r>
-            <a:r>
-              <a:rPr sz="900" dirty="0" err="1"/>
-              <a:t>x_train</a:t>
-            </a:r>
-            <a:r>
-              <a:rPr sz="900" dirty="0"/>
-              <a:t>[..., None]  # shape (N, 28, 28, 1)</a:t>
-            </a:r>
-            <a:br>
-              <a:rPr sz="900" dirty="0"/>
-            </a:br>
-            <a:r>
-              <a:rPr sz="900" dirty="0" err="1"/>
-              <a:t>x_test</a:t>
-            </a:r>
-            <a:r>
-              <a:rPr sz="900" dirty="0"/>
-              <a:t>  = </a:t>
-            </a:r>
-            <a:r>
-              <a:rPr sz="900" dirty="0" err="1"/>
-              <a:t>x_test</a:t>
-            </a:r>
-            <a:r>
-              <a:rPr sz="900" dirty="0"/>
-              <a:t>[..., None]</a:t>
-            </a:r>
-            <a:br>
-              <a:rPr sz="900" dirty="0"/>
-            </a:br>
-            <a:br>
-              <a:rPr sz="900" dirty="0"/>
-            </a:br>
-            <a:r>
-              <a:rPr sz="900" dirty="0" err="1"/>
-              <a:t>y_train</a:t>
-            </a:r>
-            <a:r>
-              <a:rPr sz="900" dirty="0"/>
-              <a:t> = </a:t>
-            </a:r>
-            <a:r>
-              <a:rPr sz="900" dirty="0" err="1"/>
-              <a:t>to_categorical</a:t>
-            </a:r>
-            <a:r>
-              <a:rPr sz="900" dirty="0"/>
-              <a:t>(</a:t>
-            </a:r>
-            <a:r>
-              <a:rPr sz="900" dirty="0" err="1"/>
-              <a:t>y_train</a:t>
-            </a:r>
-            <a:r>
-              <a:rPr sz="900" dirty="0"/>
-              <a:t>, 10)</a:t>
-            </a:r>
-            <a:br>
-              <a:rPr sz="900" dirty="0"/>
-            </a:br>
-            <a:r>
-              <a:rPr sz="900" dirty="0" err="1"/>
-              <a:t>y_test</a:t>
-            </a:r>
-            <a:r>
-              <a:rPr sz="900" dirty="0"/>
-              <a:t>  = </a:t>
-            </a:r>
-            <a:r>
-              <a:rPr sz="900" dirty="0" err="1"/>
-              <a:t>to_categorical</a:t>
-            </a:r>
-            <a:r>
-              <a:rPr sz="900" dirty="0"/>
-              <a:t>(</a:t>
-            </a:r>
-            <a:r>
-              <a:rPr sz="900" dirty="0" err="1"/>
-              <a:t>y_test</a:t>
-            </a:r>
-            <a:r>
-              <a:rPr sz="900" dirty="0"/>
-              <a:t>, 10)</a:t>
-            </a:r>
-            <a:br>
-              <a:rPr sz="900" dirty="0"/>
-            </a:br>
-            <a:br>
-              <a:rPr sz="900" dirty="0"/>
-            </a:br>
-            <a:r>
-              <a:rPr sz="900" dirty="0"/>
-              <a:t># Build model</a:t>
-            </a:r>
-            <a:br>
-              <a:rPr sz="900" dirty="0"/>
-            </a:br>
-            <a:r>
-              <a:rPr sz="900" dirty="0"/>
-              <a:t>model = </a:t>
-            </a:r>
-            <a:r>
-              <a:rPr sz="900" dirty="0" err="1"/>
-              <a:t>models.Sequential</a:t>
-            </a:r>
-            <a:r>
-              <a:rPr sz="900" dirty="0"/>
-              <a:t>([</a:t>
-            </a:r>
-            <a:br>
-              <a:rPr sz="900" dirty="0"/>
-            </a:br>
-            <a:r>
-              <a:rPr sz="900" dirty="0"/>
-              <a:t>    </a:t>
-            </a:r>
-            <a:r>
-              <a:rPr sz="900" dirty="0" err="1"/>
-              <a:t>layers.Input</a:t>
-            </a:r>
-            <a:r>
-              <a:rPr sz="900" dirty="0"/>
-              <a:t>(shape=(28,28,1)),</a:t>
-            </a:r>
-            <a:br>
-              <a:rPr sz="900" dirty="0"/>
-            </a:br>
-            <a:r>
-              <a:rPr sz="900" dirty="0"/>
-              <a:t>    layers.Conv2D(32, (3,3), activation='</a:t>
-            </a:r>
-            <a:r>
-              <a:rPr sz="900" dirty="0" err="1"/>
-              <a:t>relu</a:t>
-            </a:r>
-            <a:r>
-              <a:rPr sz="900" dirty="0"/>
-              <a:t>', padding='same'),</a:t>
-            </a:r>
-            <a:br>
-              <a:rPr sz="900" dirty="0"/>
-            </a:br>
-            <a:r>
-              <a:rPr sz="900" dirty="0"/>
-              <a:t>    layers.MaxPooling2D((2,2)),</a:t>
-            </a:r>
-            <a:br>
-              <a:rPr sz="900" dirty="0"/>
-            </a:br>
-            <a:r>
-              <a:rPr sz="900" dirty="0"/>
-              <a:t>    layers.Conv2D(64, (3,3), activation='</a:t>
-            </a:r>
-            <a:r>
-              <a:rPr sz="900" dirty="0" err="1"/>
-              <a:t>relu</a:t>
-            </a:r>
-            <a:r>
-              <a:rPr sz="900" dirty="0"/>
-              <a:t>', padding='same'),</a:t>
-            </a:r>
-            <a:br>
-              <a:rPr sz="900" dirty="0"/>
-            </a:br>
-            <a:r>
-              <a:rPr sz="900" dirty="0"/>
-              <a:t>    layers.MaxPooling2D((2,2)),</a:t>
-            </a:r>
-            <a:br>
-              <a:rPr sz="900" dirty="0"/>
-            </a:br>
-            <a:r>
-              <a:rPr sz="900" dirty="0"/>
-              <a:t>    </a:t>
-            </a:r>
-            <a:r>
-              <a:rPr sz="900" dirty="0" err="1"/>
-              <a:t>layers.Flatten</a:t>
-            </a:r>
-            <a:r>
-              <a:rPr sz="900" dirty="0"/>
-              <a:t>(),</a:t>
-            </a:r>
-            <a:br>
-              <a:rPr sz="900" dirty="0"/>
-            </a:br>
-            <a:r>
-              <a:rPr sz="900" dirty="0"/>
-              <a:t>    </a:t>
-            </a:r>
-            <a:r>
-              <a:rPr sz="900" dirty="0" err="1"/>
-              <a:t>layers.Dense</a:t>
-            </a:r>
-            <a:r>
-              <a:rPr sz="900" dirty="0"/>
-              <a:t>(128, activation='</a:t>
-            </a:r>
-            <a:r>
-              <a:rPr sz="900" dirty="0" err="1"/>
-              <a:t>relu</a:t>
-            </a:r>
-            <a:r>
-              <a:rPr sz="900" dirty="0"/>
-              <a:t>'),</a:t>
-            </a:r>
-            <a:br>
-              <a:rPr sz="900" dirty="0"/>
-            </a:br>
-            <a:r>
-              <a:rPr sz="900" dirty="0"/>
-              <a:t>    </a:t>
-            </a:r>
-            <a:r>
-              <a:rPr sz="900" dirty="0" err="1"/>
-              <a:t>layers.Dropout</a:t>
-            </a:r>
-            <a:r>
-              <a:rPr sz="900" dirty="0"/>
-              <a:t>(0.5),</a:t>
-            </a:r>
-            <a:br>
-              <a:rPr sz="900" dirty="0"/>
-            </a:br>
-            <a:r>
-              <a:rPr sz="900" dirty="0"/>
-              <a:t>    </a:t>
-            </a:r>
-            <a:r>
-              <a:rPr sz="900" dirty="0" err="1"/>
-              <a:t>layers.Dense</a:t>
-            </a:r>
-            <a:r>
-              <a:rPr sz="900" dirty="0"/>
-              <a:t>(10, activation='</a:t>
-            </a:r>
-            <a:r>
-              <a:rPr sz="900" dirty="0" err="1"/>
-              <a:t>softmax</a:t>
-            </a:r>
-            <a:r>
-              <a:rPr sz="900" dirty="0"/>
-              <a:t>')</a:t>
-            </a:r>
-            <a:br>
-              <a:rPr sz="900" dirty="0"/>
-            </a:br>
-            <a:r>
-              <a:rPr sz="900" dirty="0"/>
-              <a:t>])</a:t>
-            </a:r>
-            <a:br>
-              <a:rPr sz="900" dirty="0"/>
-            </a:br>
-            <a:br>
-              <a:rPr sz="900" dirty="0"/>
-            </a:br>
-            <a:r>
-              <a:rPr sz="900" dirty="0" err="1"/>
-              <a:t>model.compile</a:t>
-            </a:r>
-            <a:r>
-              <a:rPr sz="900" dirty="0"/>
-              <a:t>(optimizer='</a:t>
-            </a:r>
-            <a:r>
-              <a:rPr sz="900" dirty="0" err="1"/>
-              <a:t>adam</a:t>
-            </a:r>
-            <a:r>
-              <a:rPr sz="900" dirty="0"/>
-              <a:t>',</a:t>
-            </a:r>
-            <a:br>
-              <a:rPr sz="900" dirty="0"/>
-            </a:br>
-            <a:r>
-              <a:rPr sz="900" dirty="0"/>
-              <a:t>              loss='</a:t>
-            </a:r>
-            <a:r>
-              <a:rPr sz="900" dirty="0" err="1"/>
-              <a:t>categorical_crossentropy</a:t>
-            </a:r>
-            <a:r>
-              <a:rPr sz="900" dirty="0"/>
-              <a:t>',</a:t>
-            </a:r>
-            <a:br>
-              <a:rPr sz="900" dirty="0"/>
-            </a:br>
-            <a:r>
-              <a:rPr sz="900" dirty="0"/>
-              <a:t>              metrics=['accuracy'])</a:t>
-            </a:r>
-            <a:br>
-              <a:rPr sz="900" dirty="0"/>
-            </a:br>
-            <a:br>
-              <a:rPr sz="900" dirty="0"/>
-            </a:br>
-            <a:r>
-              <a:rPr sz="900" dirty="0" err="1"/>
-              <a:t>model.fit</a:t>
-            </a:r>
-            <a:r>
-              <a:rPr sz="900" dirty="0"/>
-              <a:t>(</a:t>
-            </a:r>
-            <a:r>
-              <a:rPr sz="900" dirty="0" err="1"/>
-              <a:t>x_train</a:t>
-            </a:r>
-            <a:r>
-              <a:rPr sz="900" dirty="0"/>
-              <a:t>, </a:t>
-            </a:r>
-            <a:r>
-              <a:rPr sz="900" dirty="0" err="1"/>
-              <a:t>y_train</a:t>
-            </a:r>
-            <a:r>
-              <a:rPr sz="900" dirty="0"/>
-              <a:t>, epochs=5, </a:t>
-            </a:r>
-            <a:r>
-              <a:rPr sz="900" dirty="0" err="1"/>
-              <a:t>batch_size</a:t>
-            </a:r>
-            <a:r>
-              <a:rPr sz="900" dirty="0"/>
-              <a:t>=128, </a:t>
-            </a:r>
-            <a:r>
-              <a:rPr sz="900" dirty="0" err="1"/>
-              <a:t>validation_split</a:t>
-            </a:r>
-            <a:r>
-              <a:rPr sz="900" dirty="0"/>
-              <a:t>=0.1)</a:t>
-            </a:r>
-            <a:br>
-              <a:rPr sz="900" dirty="0"/>
-            </a:br>
-            <a:br>
-              <a:rPr sz="900" dirty="0"/>
-            </a:br>
-            <a:r>
-              <a:rPr sz="900" dirty="0"/>
-              <a:t>loss, acc = </a:t>
-            </a:r>
-            <a:r>
-              <a:rPr sz="900" dirty="0" err="1"/>
-              <a:t>model.evaluate</a:t>
-            </a:r>
-            <a:r>
-              <a:rPr sz="900" dirty="0"/>
-              <a:t>(</a:t>
-            </a:r>
-            <a:r>
-              <a:rPr sz="900" dirty="0" err="1"/>
-              <a:t>x_test</a:t>
-            </a:r>
-            <a:r>
-              <a:rPr sz="900" dirty="0"/>
-              <a:t>, </a:t>
-            </a:r>
-            <a:r>
-              <a:rPr sz="900" dirty="0" err="1"/>
-              <a:t>y_test</a:t>
-            </a:r>
-            <a:r>
-              <a:rPr sz="900" dirty="0"/>
-              <a:t>)</a:t>
-            </a:r>
-            <a:br>
-              <a:rPr sz="900" dirty="0"/>
-            </a:br>
-            <a:r>
-              <a:rPr sz="900" dirty="0"/>
-              <a:t>print(</a:t>
-            </a:r>
-            <a:r>
-              <a:rPr sz="900" dirty="0" err="1"/>
-              <a:t>f'Test</a:t>
-            </a:r>
-            <a:r>
-              <a:rPr sz="900" dirty="0"/>
-              <a:t> accuracy: {acc:.4f}')</a:t>
-            </a:r>
-            <a:br>
-              <a:rPr sz="900" dirty="0"/>
-            </a:br>
-            <a:endParaRPr sz="900" dirty="0"/>
-          </a:p>
-        </p:txBody>
-      </p:sp>
-    </p:spTree>
-  </p:cSld>
-  <p:clrMapOvr>
-    <a:masterClrMapping/>
-  </p:clrMapOvr>
-</p:sld>
-</file>
-
-<file path=ppt/slides/slide21.xml><?xml version="1.0" encoding="utf-8"?>
-<p:sld xmlns:a="http://schemas.openxmlformats.org/drawingml/2006/main" xmlns:r="http://schemas.openxmlformats.org/officeDocument/2006/relationships" xmlns:p="http://schemas.openxmlformats.org/presentationml/2006/main">
-  <p:cSld>
-    <p:spTree>
-      <p:nvGrpSpPr>
-        <p:cNvPr id="1" name="">
-          <a:extLst>
-            <a:ext uri="{FF2B5EF4-FFF2-40B4-BE49-F238E27FC236}">
-              <a16:creationId xmlns:a16="http://schemas.microsoft.com/office/drawing/2014/main" id="{B5CD1934-F323-2972-DB9A-B3ACB84555E6}"/>
-            </a:ext>
-          </a:extLst>
-        </p:cNvPr>
-        <p:cNvGrpSpPr/>
-        <p:nvPr/>
-      </p:nvGrpSpPr>
-      <p:grpSpPr>
-        <a:xfrm>
-          <a:off x="0" y="0"/>
-          <a:ext cx="0" cy="0"/>
-          <a:chOff x="0" y="0"/>
-          <a:chExt cx="0" cy="0"/>
-        </a:xfrm>
-      </p:grpSpPr>
-      <p:sp>
-        <p:nvSpPr>
-          <p:cNvPr id="3" name="TextBox 2">
-            <a:extLst>
-              <a:ext uri="{FF2B5EF4-FFF2-40B4-BE49-F238E27FC236}">
-                <a16:creationId xmlns:a16="http://schemas.microsoft.com/office/drawing/2014/main" id="{C0799BF1-3258-8AA0-2B29-F38FE8CC5430}"/>
-              </a:ext>
-            </a:extLst>
-          </p:cNvPr>
-          <p:cNvSpPr txBox="1"/>
-          <p:nvPr/>
-        </p:nvSpPr>
-        <p:spPr>
-          <a:xfrm>
-            <a:off x="457200" y="548640"/>
-            <a:ext cx="8229600" cy="1246495"/>
-          </a:xfrm>
-          <a:prstGeom prst="rect">
-            <a:avLst/>
-          </a:prstGeom>
-          <a:noFill/>
-        </p:spPr>
-        <p:txBody>
-          <a:bodyPr wrap="square">
-            <a:spAutoFit/>
-          </a:bodyPr>
-          <a:lstStyle/>
-          <a:p>
-            <a:pPr marL="171450" indent="-171450">
-              <a:buFont typeface="Arial" panose="020B0604020202020204" pitchFamily="34" charset="0"/>
-              <a:buChar char="•"/>
-              <a:defRPr sz="2000" b="1"/>
-            </a:pPr>
-            <a:r>
-              <a:rPr lang="en-GB" sz="1500" dirty="0"/>
-              <a:t>Code and live hands-on</a:t>
-            </a:r>
-          </a:p>
-          <a:p>
-            <a:pPr marL="171450" indent="-171450">
-              <a:buFont typeface="Arial" panose="020B0604020202020204" pitchFamily="34" charset="0"/>
-              <a:buChar char="•"/>
-              <a:defRPr sz="2000" b="1"/>
-            </a:pPr>
-            <a:endParaRPr lang="en-GB" sz="1500" dirty="0"/>
-          </a:p>
-          <a:p>
-            <a:pPr marL="171450" indent="-171450">
-              <a:buFont typeface="Arial" panose="020B0604020202020204" pitchFamily="34" charset="0"/>
-              <a:buChar char="•"/>
-              <a:defRPr sz="2000" b="1"/>
-            </a:pPr>
-            <a:r>
-              <a:rPr lang="en-GB" sz="1500" dirty="0">
-                <a:hlinkClick r:id="rId2"/>
-              </a:rPr>
-              <a:t>https://github.com/neelsoumya/teaching_neural_networks/blob/main/cnn_simple.py</a:t>
-            </a:r>
-            <a:endParaRPr lang="en-GB" sz="1500" dirty="0"/>
-          </a:p>
-          <a:p>
-            <a:pPr marL="171450" indent="-171450">
-              <a:buFont typeface="Arial" panose="020B0604020202020204" pitchFamily="34" charset="0"/>
-              <a:buChar char="•"/>
-              <a:defRPr sz="2000" b="1"/>
-            </a:pPr>
-            <a:endParaRPr lang="en-GB" sz="1500" dirty="0"/>
-          </a:p>
-          <a:p>
-            <a:pPr marL="171450" indent="-171450">
-              <a:buFont typeface="Arial" panose="020B0604020202020204" pitchFamily="34" charset="0"/>
-              <a:buChar char="•"/>
-              <a:defRPr sz="2000" b="1"/>
-            </a:pPr>
-            <a:endParaRPr sz="1500" dirty="0"/>
-          </a:p>
-        </p:txBody>
-      </p:sp>
-    </p:spTree>
-    <p:extLst>
-      <p:ext uri="{BB962C8B-B14F-4D97-AF65-F5344CB8AC3E}">
-        <p14:creationId xmlns:p14="http://schemas.microsoft.com/office/powerpoint/2010/main" val="1632585310"/>
-      </p:ext>
-    </p:extLst>
-  </p:cSld>
-  <p:clrMapOvr>
-    <a:masterClrMapping/>
-  </p:clrMapOvr>
-</p:sld>
-</file>
-
-<file path=ppt/slides/slide22.xml><?xml version="1.0" encoding="utf-8"?>
-<p:sld xmlns:a="http://schemas.openxmlformats.org/drawingml/2006/main" xmlns:r="http://schemas.openxmlformats.org/officeDocument/2006/relationships" xmlns:p="http://schemas.openxmlformats.org/presentationml/2006/main">
-  <p:cSld>
-    <p:spTree>
-      <p:nvGrpSpPr>
-        <p:cNvPr id="1" name=""/>
-        <p:cNvGrpSpPr/>
-        <p:nvPr/>
-      </p:nvGrpSpPr>
-      <p:grpSpPr>
-        <a:xfrm>
-          <a:off x="0" y="0"/>
-          <a:ext cx="0" cy="0"/>
-          <a:chOff x="0" y="0"/>
-          <a:chExt cx="0" cy="0"/>
-        </a:xfrm>
-      </p:grpSpPr>
-      <p:sp>
-        <p:nvSpPr>
-          <p:cNvPr id="2" name="Title 1"/>
-          <p:cNvSpPr>
-            <a:spLocks noGrp="1"/>
-          </p:cNvSpPr>
-          <p:nvPr>
-            <p:ph type="title"/>
-          </p:nvPr>
-        </p:nvSpPr>
-        <p:spPr/>
-        <p:txBody>
-          <a:bodyPr/>
-          <a:lstStyle/>
-          <a:p>
-            <a:r>
-              <a:t>Exercises for students</a:t>
-            </a:r>
-          </a:p>
-        </p:txBody>
-      </p:sp>
-      <p:sp>
-        <p:nvSpPr>
-          <p:cNvPr id="3" name="Content Placeholder 2"/>
-          <p:cNvSpPr>
-            <a:spLocks noGrp="1"/>
-          </p:cNvSpPr>
-          <p:nvPr>
-            <p:ph idx="1"/>
-          </p:nvPr>
-        </p:nvSpPr>
-        <p:spPr/>
-        <p:txBody>
-          <a:bodyPr/>
-          <a:lstStyle/>
-          <a:p>
-            <a:pPr>
-              <a:defRPr sz="1800"/>
-            </a:pPr>
-            <a:endParaRPr dirty="0"/>
-          </a:p>
-          <a:p>
-            <a:pPr>
-              <a:defRPr sz="1800"/>
-            </a:pPr>
-            <a:r>
-              <a:rPr dirty="0"/>
-              <a:t>Add data augmentation</a:t>
-            </a:r>
-            <a:r>
-              <a:rPr lang="en-GB" dirty="0"/>
-              <a:t>.</a:t>
-            </a:r>
-          </a:p>
-          <a:p>
-            <a:pPr>
-              <a:defRPr sz="1800"/>
-            </a:pPr>
-            <a:endParaRPr dirty="0"/>
-          </a:p>
-          <a:p>
-            <a:pPr>
-              <a:defRPr sz="1800"/>
-            </a:pPr>
-            <a:r>
-              <a:rPr dirty="0"/>
-              <a:t>Replace Flatten + Dense with GlobalAveragePooling2D + Dense</a:t>
-            </a:r>
-            <a:r>
-              <a:rPr lang="en-GB" dirty="0"/>
-              <a:t>:</a:t>
-            </a:r>
-            <a:r>
-              <a:rPr dirty="0"/>
-              <a:t> compare parameters</a:t>
-            </a:r>
-            <a:r>
-              <a:rPr lang="en-GB" dirty="0"/>
-              <a:t> and architectures</a:t>
-            </a:r>
-            <a:r>
-              <a:rPr dirty="0"/>
-              <a:t>.</a:t>
-            </a:r>
-            <a:endParaRPr lang="en-GB" dirty="0"/>
-          </a:p>
-          <a:p>
-            <a:pPr>
-              <a:defRPr sz="1800"/>
-            </a:pPr>
-            <a:endParaRPr lang="en-GB" dirty="0"/>
-          </a:p>
-          <a:p>
-            <a:pPr>
-              <a:defRPr sz="1800"/>
-            </a:pPr>
-            <a:r>
-              <a:rPr lang="en-GB" dirty="0"/>
-              <a:t>How to pick these hyperparameters?</a:t>
-            </a:r>
-            <a:endParaRPr dirty="0"/>
-          </a:p>
-        </p:txBody>
-      </p:sp>
-    </p:spTree>
-  </p:cSld>
-  <p:clrMapOvr>
-    <a:masterClrMapping/>
-  </p:clrMapOvr>
-</p:sld>
-</file>
-
-<file path=ppt/slides/slide23.xml><?xml version="1.0" encoding="utf-8"?>
-<p:sld xmlns:a="http://schemas.openxmlformats.org/drawingml/2006/main" xmlns:r="http://schemas.openxmlformats.org/officeDocument/2006/relationships" xmlns:p="http://schemas.openxmlformats.org/presentationml/2006/main">
-  <p:cSld>
-    <p:spTree>
-      <p:nvGrpSpPr>
-        <p:cNvPr id="1" name=""/>
-        <p:cNvGrpSpPr/>
-        <p:nvPr/>
-      </p:nvGrpSpPr>
-      <p:grpSpPr>
-        <a:xfrm>
-          <a:off x="0" y="0"/>
-          <a:ext cx="0" cy="0"/>
-          <a:chOff x="0" y="0"/>
-          <a:chExt cx="0" cy="0"/>
-        </a:xfrm>
-      </p:grpSpPr>
-      <p:sp>
-        <p:nvSpPr>
-          <p:cNvPr id="2" name="Title 1"/>
-          <p:cNvSpPr>
-            <a:spLocks noGrp="1"/>
-          </p:cNvSpPr>
-          <p:nvPr>
-            <p:ph type="title"/>
-          </p:nvPr>
-        </p:nvSpPr>
-        <p:spPr/>
-        <p:txBody>
-          <a:bodyPr/>
-          <a:lstStyle/>
-          <a:p>
-            <a:r>
-              <a:t>Further reading &amp; resources</a:t>
-            </a:r>
-          </a:p>
-        </p:txBody>
-      </p:sp>
-      <p:sp>
-        <p:nvSpPr>
-          <p:cNvPr id="3" name="Content Placeholder 2"/>
-          <p:cNvSpPr>
-            <a:spLocks noGrp="1"/>
-          </p:cNvSpPr>
-          <p:nvPr>
-            <p:ph idx="1"/>
-          </p:nvPr>
-        </p:nvSpPr>
-        <p:spPr/>
-        <p:txBody>
-          <a:bodyPr/>
-          <a:lstStyle/>
-          <a:p>
-            <a:pPr>
-              <a:defRPr sz="1800"/>
-            </a:pPr>
-            <a:r>
-              <a:rPr lang="en-GB" dirty="0">
-                <a:hlinkClick r:id="rId2"/>
-              </a:rPr>
-              <a:t>https://www.statlearning.com/</a:t>
-            </a:r>
-            <a:endParaRPr lang="en-GB" dirty="0"/>
-          </a:p>
-          <a:p>
-            <a:pPr>
-              <a:defRPr sz="1800"/>
-            </a:pPr>
-            <a:endParaRPr dirty="0"/>
-          </a:p>
-          <a:p>
-            <a:pPr>
-              <a:defRPr sz="1800"/>
-            </a:pPr>
-            <a:r>
-              <a:rPr dirty="0" err="1"/>
-              <a:t>Keras</a:t>
-            </a:r>
-            <a:r>
-              <a:rPr dirty="0"/>
-              <a:t> documentation: layers.Conv2D, layers.MaxPooling2D.</a:t>
-            </a:r>
-            <a:endParaRPr lang="en-GB" dirty="0"/>
-          </a:p>
-          <a:p>
-            <a:pPr>
-              <a:defRPr sz="1800"/>
-            </a:pPr>
-            <a:r>
-              <a:rPr lang="en-GB" dirty="0">
-                <a:hlinkClick r:id="rId3"/>
-              </a:rPr>
-              <a:t>https://keras.io/</a:t>
-            </a:r>
-            <a:endParaRPr lang="en-GB" dirty="0"/>
-          </a:p>
-          <a:p>
-            <a:pPr>
-              <a:defRPr sz="1800"/>
-            </a:pPr>
-            <a:endParaRPr dirty="0"/>
-          </a:p>
-        </p:txBody>
-      </p:sp>
-    </p:spTree>
-  </p:cSld>
-  <p:clrMapOvr>
-    <a:masterClrMapping/>
-  </p:clrMapOvr>
-</p:sld>
-</file>
-
-<file path=ppt/slides/slide24.xml><?xml version="1.0" encoding="utf-8"?>
-<p:sld xmlns:a="http://schemas.openxmlformats.org/drawingml/2006/main" xmlns:r="http://schemas.openxmlformats.org/officeDocument/2006/relationships" xmlns:p="http://schemas.openxmlformats.org/presentationml/2006/main">
-  <p:cSld>
-    <p:spTree>
-      <p:nvGrpSpPr>
-        <p:cNvPr id="1" name=""/>
-        <p:cNvGrpSpPr/>
-        <p:nvPr/>
-      </p:nvGrpSpPr>
-      <p:grpSpPr>
-        <a:xfrm>
-          <a:off x="0" y="0"/>
-          <a:ext cx="0" cy="0"/>
-          <a:chOff x="0" y="0"/>
-          <a:chExt cx="0" cy="0"/>
-        </a:xfrm>
-      </p:grpSpPr>
-      <p:sp>
-        <p:nvSpPr>
-          <p:cNvPr id="2" name="Title 1"/>
-          <p:cNvSpPr>
-            <a:spLocks noGrp="1"/>
-          </p:cNvSpPr>
-          <p:nvPr>
-            <p:ph type="title"/>
-          </p:nvPr>
-        </p:nvSpPr>
-        <p:spPr/>
-        <p:txBody>
-          <a:bodyPr/>
-          <a:lstStyle/>
-          <a:p>
-            <a:r>
-              <a:rPr lang="en-GB" dirty="0"/>
-              <a:t>Resources</a:t>
-            </a:r>
-            <a:endParaRPr dirty="0"/>
-          </a:p>
-        </p:txBody>
-      </p:sp>
-      <p:sp>
-        <p:nvSpPr>
-          <p:cNvPr id="3" name="Content Placeholder 2"/>
-          <p:cNvSpPr>
-            <a:spLocks noGrp="1"/>
-          </p:cNvSpPr>
-          <p:nvPr>
-            <p:ph idx="1"/>
-          </p:nvPr>
-        </p:nvSpPr>
-        <p:spPr/>
-        <p:txBody>
-          <a:bodyPr/>
-          <a:lstStyle/>
-          <a:p>
-            <a:pPr>
-              <a:defRPr sz="1800"/>
-            </a:pPr>
-            <a:r>
-              <a:rPr lang="en-GB" dirty="0">
-                <a:hlinkClick r:id="rId2"/>
-              </a:rPr>
-              <a:t>https://github.com/neelsoumya/teaching_neural_networks/blob/main/cnn_simple.py</a:t>
-            </a:r>
-            <a:endParaRPr lang="en-GB" dirty="0"/>
-          </a:p>
-          <a:p>
-            <a:pPr>
-              <a:defRPr sz="1800"/>
-            </a:pPr>
-            <a:endParaRPr lang="en-GB" dirty="0"/>
-          </a:p>
-          <a:p>
-            <a:pPr>
-              <a:defRPr sz="1800"/>
-            </a:pPr>
-            <a:r>
-              <a:rPr lang="en-GB" dirty="0">
-                <a:hlinkClick r:id="rId3"/>
-              </a:rPr>
-              <a:t>https://github.com/neelsoumya/</a:t>
-            </a:r>
-            <a:r>
-              <a:rPr lang="en-GB" dirty="0" err="1">
-                <a:hlinkClick r:id="rId3"/>
-              </a:rPr>
-              <a:t>teaching_neural_network</a:t>
-            </a:r>
-            <a:r>
-              <a:rPr lang="en-GB" dirty="0" err="1"/>
-              <a:t>s</a:t>
-            </a:r>
-            <a:endParaRPr lang="en-GB" dirty="0"/>
-          </a:p>
-        </p:txBody>
-      </p:sp>
-    </p:spTree>
-  </p:cSld>
-  <p:clrMapOvr>
-    <a:masterClrMapping/>
-  </p:clrMapOvr>
-</p:sld>
-</file>
-
-<file path=ppt/slides/slide3.xml><?xml version="1.0" encoding="utf-8"?>
-<p:sld xmlns:a="http://schemas.openxmlformats.org/drawingml/2006/main" xmlns:r="http://schemas.openxmlformats.org/officeDocument/2006/relationships" xmlns:p="http://schemas.openxmlformats.org/presentationml/2006/main">
-  <p:cSld>
     <p:bg>
       <p:bgPr>
         <a:solidFill>
@@ -22340,6 +21134,1212 @@
         <p14:creationId xmlns:p14="http://schemas.microsoft.com/office/powerpoint/2010/main" val="186581910"/>
       </p:ext>
     </p:extLst>
+  </p:cSld>
+  <p:clrMapOvr>
+    <a:masterClrMapping/>
+  </p:clrMapOvr>
+</p:sld>
+</file>
+
+<file path=ppt/slides/slide20.xml><?xml version="1.0" encoding="utf-8"?>
+<p:sld xmlns:a="http://schemas.openxmlformats.org/drawingml/2006/main" xmlns:r="http://schemas.openxmlformats.org/officeDocument/2006/relationships" xmlns:p="http://schemas.openxmlformats.org/presentationml/2006/main">
+  <p:cSld>
+    <p:spTree>
+      <p:nvGrpSpPr>
+        <p:cNvPr id="1" name=""/>
+        <p:cNvGrpSpPr/>
+        <p:nvPr/>
+      </p:nvGrpSpPr>
+      <p:grpSpPr>
+        <a:xfrm>
+          <a:off x="0" y="0"/>
+          <a:ext cx="0" cy="0"/>
+          <a:chOff x="0" y="0"/>
+          <a:chExt cx="0" cy="0"/>
+        </a:xfrm>
+      </p:grpSpPr>
+      <p:sp>
+        <p:nvSpPr>
+          <p:cNvPr id="3" name="TextBox 2"/>
+          <p:cNvSpPr txBox="1"/>
+          <p:nvPr/>
+        </p:nvSpPr>
+        <p:spPr>
+          <a:xfrm>
+            <a:off x="457200" y="548640"/>
+            <a:ext cx="8229600" cy="5909310"/>
+          </a:xfrm>
+          <a:prstGeom prst="rect">
+            <a:avLst/>
+          </a:prstGeom>
+          <a:noFill/>
+        </p:spPr>
+        <p:txBody>
+          <a:bodyPr wrap="square">
+            <a:spAutoFit/>
+          </a:bodyPr>
+          <a:lstStyle/>
+          <a:p>
+            <a:pPr>
+              <a:defRPr sz="2000" b="1"/>
+            </a:pPr>
+            <a:r>
+              <a:rPr sz="900" dirty="0"/>
+              <a:t>Demo: tiny CNN in </a:t>
+            </a:r>
+            <a:r>
+              <a:rPr sz="900" dirty="0" err="1"/>
+              <a:t>Keras</a:t>
+            </a:r>
+            <a:r>
+              <a:rPr sz="900" dirty="0"/>
+              <a:t> (MNIST)</a:t>
+            </a:r>
+          </a:p>
+          <a:p>
+            <a:pPr>
+              <a:defRPr sz="1200">
+                <a:latin typeface="Consolas"/>
+              </a:defRPr>
+            </a:pPr>
+            <a:r>
+              <a:rPr sz="900" dirty="0"/>
+              <a:t># </a:t>
+            </a:r>
+            <a:r>
+              <a:rPr sz="900" dirty="0" err="1"/>
+              <a:t>tiny_cnn_mnist.py</a:t>
+            </a:r>
+            <a:br>
+              <a:rPr sz="900" dirty="0"/>
+            </a:br>
+            <a:r>
+              <a:rPr sz="900" dirty="0"/>
+              <a:t>import </a:t>
+            </a:r>
+            <a:r>
+              <a:rPr sz="900" dirty="0" err="1"/>
+              <a:t>tensorflow</a:t>
+            </a:r>
+            <a:r>
+              <a:rPr sz="900" dirty="0"/>
+              <a:t> as </a:t>
+            </a:r>
+            <a:r>
+              <a:rPr sz="900" dirty="0" err="1"/>
+              <a:t>tf</a:t>
+            </a:r>
+            <a:br>
+              <a:rPr sz="900" dirty="0"/>
+            </a:br>
+            <a:r>
+              <a:rPr sz="900" dirty="0"/>
+              <a:t>from </a:t>
+            </a:r>
+            <a:r>
+              <a:rPr sz="900" dirty="0" err="1"/>
+              <a:t>tensorflow.keras</a:t>
+            </a:r>
+            <a:r>
+              <a:rPr sz="900" dirty="0"/>
+              <a:t> import layers, models</a:t>
+            </a:r>
+            <a:br>
+              <a:rPr sz="900" dirty="0"/>
+            </a:br>
+            <a:r>
+              <a:rPr sz="900" dirty="0"/>
+              <a:t>from </a:t>
+            </a:r>
+            <a:r>
+              <a:rPr sz="900" dirty="0" err="1"/>
+              <a:t>tensorflow.keras.utils</a:t>
+            </a:r>
+            <a:r>
+              <a:rPr sz="900" dirty="0"/>
+              <a:t> import </a:t>
+            </a:r>
+            <a:r>
+              <a:rPr sz="900" dirty="0" err="1"/>
+              <a:t>to_categorical</a:t>
+            </a:r>
+            <a:br>
+              <a:rPr sz="900" dirty="0"/>
+            </a:br>
+            <a:br>
+              <a:rPr sz="900" dirty="0"/>
+            </a:br>
+            <a:r>
+              <a:rPr sz="900" dirty="0"/>
+              <a:t># Load data</a:t>
+            </a:r>
+            <a:br>
+              <a:rPr sz="900" dirty="0"/>
+            </a:br>
+            <a:r>
+              <a:rPr sz="900" dirty="0"/>
+              <a:t>(</a:t>
+            </a:r>
+            <a:r>
+              <a:rPr sz="900" dirty="0" err="1"/>
+              <a:t>x_train</a:t>
+            </a:r>
+            <a:r>
+              <a:rPr sz="900" dirty="0"/>
+              <a:t>, </a:t>
+            </a:r>
+            <a:r>
+              <a:rPr sz="900" dirty="0" err="1"/>
+              <a:t>y_train</a:t>
+            </a:r>
+            <a:r>
+              <a:rPr sz="900" dirty="0"/>
+              <a:t>), (</a:t>
+            </a:r>
+            <a:r>
+              <a:rPr sz="900" dirty="0" err="1"/>
+              <a:t>x_test</a:t>
+            </a:r>
+            <a:r>
+              <a:rPr sz="900" dirty="0"/>
+              <a:t>, </a:t>
+            </a:r>
+            <a:r>
+              <a:rPr sz="900" dirty="0" err="1"/>
+              <a:t>y_test</a:t>
+            </a:r>
+            <a:r>
+              <a:rPr sz="900" dirty="0"/>
+              <a:t>) = </a:t>
+            </a:r>
+            <a:r>
+              <a:rPr sz="900" dirty="0" err="1"/>
+              <a:t>tf.keras.datasets.mnist.load_data</a:t>
+            </a:r>
+            <a:r>
+              <a:rPr sz="900" dirty="0"/>
+              <a:t>()</a:t>
+            </a:r>
+            <a:br>
+              <a:rPr sz="900" dirty="0"/>
+            </a:br>
+            <a:br>
+              <a:rPr sz="900" dirty="0"/>
+            </a:br>
+            <a:r>
+              <a:rPr sz="900" dirty="0"/>
+              <a:t># Preprocess: reshape, scale, one-hot</a:t>
+            </a:r>
+            <a:br>
+              <a:rPr sz="900" dirty="0"/>
+            </a:br>
+            <a:r>
+              <a:rPr sz="900" dirty="0" err="1"/>
+              <a:t>x_train</a:t>
+            </a:r>
+            <a:r>
+              <a:rPr sz="900" dirty="0"/>
+              <a:t> = </a:t>
+            </a:r>
+            <a:r>
+              <a:rPr sz="900" dirty="0" err="1"/>
+              <a:t>x_train.astype</a:t>
+            </a:r>
+            <a:r>
+              <a:rPr sz="900" dirty="0"/>
+              <a:t>('float32') / 255.0</a:t>
+            </a:r>
+            <a:br>
+              <a:rPr sz="900" dirty="0"/>
+            </a:br>
+            <a:r>
+              <a:rPr sz="900" dirty="0" err="1"/>
+              <a:t>x_test</a:t>
+            </a:r>
+            <a:r>
+              <a:rPr sz="900" dirty="0"/>
+              <a:t>  = </a:t>
+            </a:r>
+            <a:r>
+              <a:rPr sz="900" dirty="0" err="1"/>
+              <a:t>x_test.astype</a:t>
+            </a:r>
+            <a:r>
+              <a:rPr sz="900" dirty="0"/>
+              <a:t>('float32')  / 255.0</a:t>
+            </a:r>
+            <a:br>
+              <a:rPr sz="900" dirty="0"/>
+            </a:br>
+            <a:br>
+              <a:rPr sz="900" dirty="0"/>
+            </a:br>
+            <a:r>
+              <a:rPr sz="900" dirty="0"/>
+              <a:t># add channel dimension (MNIST is grayscale)</a:t>
+            </a:r>
+            <a:br>
+              <a:rPr sz="900" dirty="0"/>
+            </a:br>
+            <a:r>
+              <a:rPr sz="900" dirty="0" err="1"/>
+              <a:t>x_train</a:t>
+            </a:r>
+            <a:r>
+              <a:rPr sz="900" dirty="0"/>
+              <a:t> = </a:t>
+            </a:r>
+            <a:r>
+              <a:rPr sz="900" dirty="0" err="1"/>
+              <a:t>x_train</a:t>
+            </a:r>
+            <a:r>
+              <a:rPr sz="900" dirty="0"/>
+              <a:t>[..., None]  # shape (N, 28, 28, 1)</a:t>
+            </a:r>
+            <a:br>
+              <a:rPr sz="900" dirty="0"/>
+            </a:br>
+            <a:r>
+              <a:rPr sz="900" dirty="0" err="1"/>
+              <a:t>x_test</a:t>
+            </a:r>
+            <a:r>
+              <a:rPr sz="900" dirty="0"/>
+              <a:t>  = </a:t>
+            </a:r>
+            <a:r>
+              <a:rPr sz="900" dirty="0" err="1"/>
+              <a:t>x_test</a:t>
+            </a:r>
+            <a:r>
+              <a:rPr sz="900" dirty="0"/>
+              <a:t>[..., None]</a:t>
+            </a:r>
+            <a:br>
+              <a:rPr sz="900" dirty="0"/>
+            </a:br>
+            <a:br>
+              <a:rPr sz="900" dirty="0"/>
+            </a:br>
+            <a:r>
+              <a:rPr sz="900" dirty="0" err="1"/>
+              <a:t>y_train</a:t>
+            </a:r>
+            <a:r>
+              <a:rPr sz="900" dirty="0"/>
+              <a:t> = </a:t>
+            </a:r>
+            <a:r>
+              <a:rPr sz="900" dirty="0" err="1"/>
+              <a:t>to_categorical</a:t>
+            </a:r>
+            <a:r>
+              <a:rPr sz="900" dirty="0"/>
+              <a:t>(</a:t>
+            </a:r>
+            <a:r>
+              <a:rPr sz="900" dirty="0" err="1"/>
+              <a:t>y_train</a:t>
+            </a:r>
+            <a:r>
+              <a:rPr sz="900" dirty="0"/>
+              <a:t>, 10)</a:t>
+            </a:r>
+            <a:br>
+              <a:rPr sz="900" dirty="0"/>
+            </a:br>
+            <a:r>
+              <a:rPr sz="900" dirty="0" err="1"/>
+              <a:t>y_test</a:t>
+            </a:r>
+            <a:r>
+              <a:rPr sz="900" dirty="0"/>
+              <a:t>  = </a:t>
+            </a:r>
+            <a:r>
+              <a:rPr sz="900" dirty="0" err="1"/>
+              <a:t>to_categorical</a:t>
+            </a:r>
+            <a:r>
+              <a:rPr sz="900" dirty="0"/>
+              <a:t>(</a:t>
+            </a:r>
+            <a:r>
+              <a:rPr sz="900" dirty="0" err="1"/>
+              <a:t>y_test</a:t>
+            </a:r>
+            <a:r>
+              <a:rPr sz="900" dirty="0"/>
+              <a:t>, 10)</a:t>
+            </a:r>
+            <a:br>
+              <a:rPr sz="900" dirty="0"/>
+            </a:br>
+            <a:br>
+              <a:rPr sz="900" dirty="0"/>
+            </a:br>
+            <a:r>
+              <a:rPr sz="900" dirty="0"/>
+              <a:t># Build model</a:t>
+            </a:r>
+            <a:br>
+              <a:rPr sz="900" dirty="0"/>
+            </a:br>
+            <a:r>
+              <a:rPr sz="900" dirty="0"/>
+              <a:t>model = </a:t>
+            </a:r>
+            <a:r>
+              <a:rPr sz="900" dirty="0" err="1"/>
+              <a:t>models.Sequential</a:t>
+            </a:r>
+            <a:r>
+              <a:rPr sz="900" dirty="0"/>
+              <a:t>([</a:t>
+            </a:r>
+            <a:br>
+              <a:rPr sz="900" dirty="0"/>
+            </a:br>
+            <a:r>
+              <a:rPr sz="900" dirty="0"/>
+              <a:t>    </a:t>
+            </a:r>
+            <a:r>
+              <a:rPr sz="900" dirty="0" err="1"/>
+              <a:t>layers.Input</a:t>
+            </a:r>
+            <a:r>
+              <a:rPr sz="900" dirty="0"/>
+              <a:t>(shape=(28,28,1)),</a:t>
+            </a:r>
+            <a:br>
+              <a:rPr sz="900" dirty="0"/>
+            </a:br>
+            <a:r>
+              <a:rPr sz="900" dirty="0"/>
+              <a:t>    layers.Conv2D(32, (3,3), activation='</a:t>
+            </a:r>
+            <a:r>
+              <a:rPr sz="900" dirty="0" err="1"/>
+              <a:t>relu</a:t>
+            </a:r>
+            <a:r>
+              <a:rPr sz="900" dirty="0"/>
+              <a:t>', padding='same'),</a:t>
+            </a:r>
+            <a:br>
+              <a:rPr sz="900" dirty="0"/>
+            </a:br>
+            <a:r>
+              <a:rPr sz="900" dirty="0"/>
+              <a:t>    layers.MaxPooling2D((2,2)),</a:t>
+            </a:r>
+            <a:br>
+              <a:rPr sz="900" dirty="0"/>
+            </a:br>
+            <a:r>
+              <a:rPr sz="900" dirty="0"/>
+              <a:t>    layers.Conv2D(64, (3,3), activation='</a:t>
+            </a:r>
+            <a:r>
+              <a:rPr sz="900" dirty="0" err="1"/>
+              <a:t>relu</a:t>
+            </a:r>
+            <a:r>
+              <a:rPr sz="900" dirty="0"/>
+              <a:t>', padding='same'),</a:t>
+            </a:r>
+            <a:br>
+              <a:rPr sz="900" dirty="0"/>
+            </a:br>
+            <a:r>
+              <a:rPr sz="900" dirty="0"/>
+              <a:t>    layers.MaxPooling2D((2,2)),</a:t>
+            </a:r>
+            <a:br>
+              <a:rPr sz="900" dirty="0"/>
+            </a:br>
+            <a:r>
+              <a:rPr sz="900" dirty="0"/>
+              <a:t>    </a:t>
+            </a:r>
+            <a:r>
+              <a:rPr sz="900" dirty="0" err="1"/>
+              <a:t>layers.Flatten</a:t>
+            </a:r>
+            <a:r>
+              <a:rPr sz="900" dirty="0"/>
+              <a:t>(),</a:t>
+            </a:r>
+            <a:br>
+              <a:rPr sz="900" dirty="0"/>
+            </a:br>
+            <a:r>
+              <a:rPr sz="900" dirty="0"/>
+              <a:t>    </a:t>
+            </a:r>
+            <a:r>
+              <a:rPr sz="900" dirty="0" err="1"/>
+              <a:t>layers.Dense</a:t>
+            </a:r>
+            <a:r>
+              <a:rPr sz="900" dirty="0"/>
+              <a:t>(128, activation='</a:t>
+            </a:r>
+            <a:r>
+              <a:rPr sz="900" dirty="0" err="1"/>
+              <a:t>relu</a:t>
+            </a:r>
+            <a:r>
+              <a:rPr sz="900" dirty="0"/>
+              <a:t>'),</a:t>
+            </a:r>
+            <a:br>
+              <a:rPr sz="900" dirty="0"/>
+            </a:br>
+            <a:r>
+              <a:rPr sz="900" dirty="0"/>
+              <a:t>    </a:t>
+            </a:r>
+            <a:r>
+              <a:rPr sz="900" dirty="0" err="1"/>
+              <a:t>layers.Dropout</a:t>
+            </a:r>
+            <a:r>
+              <a:rPr sz="900" dirty="0"/>
+              <a:t>(0.5),</a:t>
+            </a:r>
+            <a:br>
+              <a:rPr sz="900" dirty="0"/>
+            </a:br>
+            <a:r>
+              <a:rPr sz="900" dirty="0"/>
+              <a:t>    </a:t>
+            </a:r>
+            <a:r>
+              <a:rPr sz="900" dirty="0" err="1"/>
+              <a:t>layers.Dense</a:t>
+            </a:r>
+            <a:r>
+              <a:rPr sz="900" dirty="0"/>
+              <a:t>(10, activation='</a:t>
+            </a:r>
+            <a:r>
+              <a:rPr sz="900" dirty="0" err="1"/>
+              <a:t>softmax</a:t>
+            </a:r>
+            <a:r>
+              <a:rPr sz="900" dirty="0"/>
+              <a:t>')</a:t>
+            </a:r>
+            <a:br>
+              <a:rPr sz="900" dirty="0"/>
+            </a:br>
+            <a:r>
+              <a:rPr sz="900" dirty="0"/>
+              <a:t>])</a:t>
+            </a:r>
+            <a:br>
+              <a:rPr sz="900" dirty="0"/>
+            </a:br>
+            <a:br>
+              <a:rPr sz="900" dirty="0"/>
+            </a:br>
+            <a:r>
+              <a:rPr sz="900" dirty="0" err="1"/>
+              <a:t>model.compile</a:t>
+            </a:r>
+            <a:r>
+              <a:rPr sz="900" dirty="0"/>
+              <a:t>(optimizer='</a:t>
+            </a:r>
+            <a:r>
+              <a:rPr sz="900" dirty="0" err="1"/>
+              <a:t>adam</a:t>
+            </a:r>
+            <a:r>
+              <a:rPr sz="900" dirty="0"/>
+              <a:t>',</a:t>
+            </a:r>
+            <a:br>
+              <a:rPr sz="900" dirty="0"/>
+            </a:br>
+            <a:r>
+              <a:rPr sz="900" dirty="0"/>
+              <a:t>              loss='</a:t>
+            </a:r>
+            <a:r>
+              <a:rPr sz="900" dirty="0" err="1"/>
+              <a:t>categorical_crossentropy</a:t>
+            </a:r>
+            <a:r>
+              <a:rPr sz="900" dirty="0"/>
+              <a:t>',</a:t>
+            </a:r>
+            <a:br>
+              <a:rPr sz="900" dirty="0"/>
+            </a:br>
+            <a:r>
+              <a:rPr sz="900" dirty="0"/>
+              <a:t>              metrics=['accuracy'])</a:t>
+            </a:r>
+            <a:br>
+              <a:rPr sz="900" dirty="0"/>
+            </a:br>
+            <a:br>
+              <a:rPr sz="900" dirty="0"/>
+            </a:br>
+            <a:r>
+              <a:rPr sz="900" dirty="0" err="1"/>
+              <a:t>model.fit</a:t>
+            </a:r>
+            <a:r>
+              <a:rPr sz="900" dirty="0"/>
+              <a:t>(</a:t>
+            </a:r>
+            <a:r>
+              <a:rPr sz="900" dirty="0" err="1"/>
+              <a:t>x_train</a:t>
+            </a:r>
+            <a:r>
+              <a:rPr sz="900" dirty="0"/>
+              <a:t>, </a:t>
+            </a:r>
+            <a:r>
+              <a:rPr sz="900" dirty="0" err="1"/>
+              <a:t>y_train</a:t>
+            </a:r>
+            <a:r>
+              <a:rPr sz="900" dirty="0"/>
+              <a:t>, epochs=5, </a:t>
+            </a:r>
+            <a:r>
+              <a:rPr sz="900" dirty="0" err="1"/>
+              <a:t>batch_size</a:t>
+            </a:r>
+            <a:r>
+              <a:rPr sz="900" dirty="0"/>
+              <a:t>=128, </a:t>
+            </a:r>
+            <a:r>
+              <a:rPr sz="900" dirty="0" err="1"/>
+              <a:t>validation_split</a:t>
+            </a:r>
+            <a:r>
+              <a:rPr sz="900" dirty="0"/>
+              <a:t>=0.1)</a:t>
+            </a:r>
+            <a:br>
+              <a:rPr sz="900" dirty="0"/>
+            </a:br>
+            <a:br>
+              <a:rPr sz="900" dirty="0"/>
+            </a:br>
+            <a:r>
+              <a:rPr sz="900" dirty="0"/>
+              <a:t>loss, acc = </a:t>
+            </a:r>
+            <a:r>
+              <a:rPr sz="900" dirty="0" err="1"/>
+              <a:t>model.evaluate</a:t>
+            </a:r>
+            <a:r>
+              <a:rPr sz="900" dirty="0"/>
+              <a:t>(</a:t>
+            </a:r>
+            <a:r>
+              <a:rPr sz="900" dirty="0" err="1"/>
+              <a:t>x_test</a:t>
+            </a:r>
+            <a:r>
+              <a:rPr sz="900" dirty="0"/>
+              <a:t>, </a:t>
+            </a:r>
+            <a:r>
+              <a:rPr sz="900" dirty="0" err="1"/>
+              <a:t>y_test</a:t>
+            </a:r>
+            <a:r>
+              <a:rPr sz="900" dirty="0"/>
+              <a:t>)</a:t>
+            </a:r>
+            <a:br>
+              <a:rPr sz="900" dirty="0"/>
+            </a:br>
+            <a:r>
+              <a:rPr sz="900" dirty="0"/>
+              <a:t>print(</a:t>
+            </a:r>
+            <a:r>
+              <a:rPr sz="900" dirty="0" err="1"/>
+              <a:t>f'Test</a:t>
+            </a:r>
+            <a:r>
+              <a:rPr sz="900" dirty="0"/>
+              <a:t> accuracy: {acc:.4f}')</a:t>
+            </a:r>
+            <a:br>
+              <a:rPr sz="900" dirty="0"/>
+            </a:br>
+            <a:endParaRPr sz="900" dirty="0"/>
+          </a:p>
+        </p:txBody>
+      </p:sp>
+    </p:spTree>
+  </p:cSld>
+  <p:clrMapOvr>
+    <a:masterClrMapping/>
+  </p:clrMapOvr>
+</p:sld>
+</file>
+
+<file path=ppt/slides/slide21.xml><?xml version="1.0" encoding="utf-8"?>
+<p:sld xmlns:a="http://schemas.openxmlformats.org/drawingml/2006/main" xmlns:r="http://schemas.openxmlformats.org/officeDocument/2006/relationships" xmlns:p="http://schemas.openxmlformats.org/presentationml/2006/main">
+  <p:cSld>
+    <p:spTree>
+      <p:nvGrpSpPr>
+        <p:cNvPr id="1" name="">
+          <a:extLst>
+            <a:ext uri="{FF2B5EF4-FFF2-40B4-BE49-F238E27FC236}">
+              <a16:creationId xmlns:a16="http://schemas.microsoft.com/office/drawing/2014/main" id="{B5CD1934-F323-2972-DB9A-B3ACB84555E6}"/>
+            </a:ext>
+          </a:extLst>
+        </p:cNvPr>
+        <p:cNvGrpSpPr/>
+        <p:nvPr/>
+      </p:nvGrpSpPr>
+      <p:grpSpPr>
+        <a:xfrm>
+          <a:off x="0" y="0"/>
+          <a:ext cx="0" cy="0"/>
+          <a:chOff x="0" y="0"/>
+          <a:chExt cx="0" cy="0"/>
+        </a:xfrm>
+      </p:grpSpPr>
+      <p:sp>
+        <p:nvSpPr>
+          <p:cNvPr id="3" name="TextBox 2">
+            <a:extLst>
+              <a:ext uri="{FF2B5EF4-FFF2-40B4-BE49-F238E27FC236}">
+                <a16:creationId xmlns:a16="http://schemas.microsoft.com/office/drawing/2014/main" id="{C0799BF1-3258-8AA0-2B29-F38FE8CC5430}"/>
+              </a:ext>
+            </a:extLst>
+          </p:cNvPr>
+          <p:cNvSpPr txBox="1"/>
+          <p:nvPr/>
+        </p:nvSpPr>
+        <p:spPr>
+          <a:xfrm>
+            <a:off x="457200" y="548640"/>
+            <a:ext cx="8229600" cy="1246495"/>
+          </a:xfrm>
+          <a:prstGeom prst="rect">
+            <a:avLst/>
+          </a:prstGeom>
+          <a:noFill/>
+        </p:spPr>
+        <p:txBody>
+          <a:bodyPr wrap="square">
+            <a:spAutoFit/>
+          </a:bodyPr>
+          <a:lstStyle/>
+          <a:p>
+            <a:pPr marL="171450" indent="-171450">
+              <a:buFont typeface="Arial" panose="020B0604020202020204" pitchFamily="34" charset="0"/>
+              <a:buChar char="•"/>
+              <a:defRPr sz="2000" b="1"/>
+            </a:pPr>
+            <a:r>
+              <a:rPr lang="en-GB" sz="1500" dirty="0"/>
+              <a:t>Code and live hands-on</a:t>
+            </a:r>
+          </a:p>
+          <a:p>
+            <a:pPr marL="171450" indent="-171450">
+              <a:buFont typeface="Arial" panose="020B0604020202020204" pitchFamily="34" charset="0"/>
+              <a:buChar char="•"/>
+              <a:defRPr sz="2000" b="1"/>
+            </a:pPr>
+            <a:endParaRPr lang="en-GB" sz="1500" dirty="0"/>
+          </a:p>
+          <a:p>
+            <a:pPr marL="171450" indent="-171450">
+              <a:buFont typeface="Arial" panose="020B0604020202020204" pitchFamily="34" charset="0"/>
+              <a:buChar char="•"/>
+              <a:defRPr sz="2000" b="1"/>
+            </a:pPr>
+            <a:r>
+              <a:rPr lang="en-GB" sz="1500" dirty="0">
+                <a:hlinkClick r:id="rId2"/>
+              </a:rPr>
+              <a:t>https://github.com/neelsoumya/teaching_neural_networks/blob/main/cnn_simple.py</a:t>
+            </a:r>
+            <a:endParaRPr lang="en-GB" sz="1500" dirty="0"/>
+          </a:p>
+          <a:p>
+            <a:pPr marL="171450" indent="-171450">
+              <a:buFont typeface="Arial" panose="020B0604020202020204" pitchFamily="34" charset="0"/>
+              <a:buChar char="•"/>
+              <a:defRPr sz="2000" b="1"/>
+            </a:pPr>
+            <a:endParaRPr lang="en-GB" sz="1500" dirty="0"/>
+          </a:p>
+          <a:p>
+            <a:pPr marL="171450" indent="-171450">
+              <a:buFont typeface="Arial" panose="020B0604020202020204" pitchFamily="34" charset="0"/>
+              <a:buChar char="•"/>
+              <a:defRPr sz="2000" b="1"/>
+            </a:pPr>
+            <a:endParaRPr sz="1500" dirty="0"/>
+          </a:p>
+        </p:txBody>
+      </p:sp>
+    </p:spTree>
+    <p:extLst>
+      <p:ext uri="{BB962C8B-B14F-4D97-AF65-F5344CB8AC3E}">
+        <p14:creationId xmlns:p14="http://schemas.microsoft.com/office/powerpoint/2010/main" val="1632585310"/>
+      </p:ext>
+    </p:extLst>
+  </p:cSld>
+  <p:clrMapOvr>
+    <a:masterClrMapping/>
+  </p:clrMapOvr>
+</p:sld>
+</file>
+
+<file path=ppt/slides/slide22.xml><?xml version="1.0" encoding="utf-8"?>
+<p:sld xmlns:a="http://schemas.openxmlformats.org/drawingml/2006/main" xmlns:r="http://schemas.openxmlformats.org/officeDocument/2006/relationships" xmlns:p="http://schemas.openxmlformats.org/presentationml/2006/main">
+  <p:cSld>
+    <p:spTree>
+      <p:nvGrpSpPr>
+        <p:cNvPr id="1" name=""/>
+        <p:cNvGrpSpPr/>
+        <p:nvPr/>
+      </p:nvGrpSpPr>
+      <p:grpSpPr>
+        <a:xfrm>
+          <a:off x="0" y="0"/>
+          <a:ext cx="0" cy="0"/>
+          <a:chOff x="0" y="0"/>
+          <a:chExt cx="0" cy="0"/>
+        </a:xfrm>
+      </p:grpSpPr>
+      <p:sp>
+        <p:nvSpPr>
+          <p:cNvPr id="2" name="Title 1"/>
+          <p:cNvSpPr>
+            <a:spLocks noGrp="1"/>
+          </p:cNvSpPr>
+          <p:nvPr>
+            <p:ph type="title"/>
+          </p:nvPr>
+        </p:nvSpPr>
+        <p:spPr/>
+        <p:txBody>
+          <a:bodyPr/>
+          <a:lstStyle/>
+          <a:p>
+            <a:r>
+              <a:t>Exercises for students</a:t>
+            </a:r>
+          </a:p>
+        </p:txBody>
+      </p:sp>
+      <p:sp>
+        <p:nvSpPr>
+          <p:cNvPr id="3" name="Content Placeholder 2"/>
+          <p:cNvSpPr>
+            <a:spLocks noGrp="1"/>
+          </p:cNvSpPr>
+          <p:nvPr>
+            <p:ph idx="1"/>
+          </p:nvPr>
+        </p:nvSpPr>
+        <p:spPr/>
+        <p:txBody>
+          <a:bodyPr/>
+          <a:lstStyle/>
+          <a:p>
+            <a:pPr>
+              <a:defRPr sz="1800"/>
+            </a:pPr>
+            <a:endParaRPr dirty="0"/>
+          </a:p>
+          <a:p>
+            <a:pPr>
+              <a:defRPr sz="1800"/>
+            </a:pPr>
+            <a:r>
+              <a:rPr dirty="0"/>
+              <a:t>Add data augmentation</a:t>
+            </a:r>
+            <a:r>
+              <a:rPr lang="en-GB" dirty="0"/>
+              <a:t>.</a:t>
+            </a:r>
+          </a:p>
+          <a:p>
+            <a:pPr>
+              <a:defRPr sz="1800"/>
+            </a:pPr>
+            <a:endParaRPr dirty="0"/>
+          </a:p>
+          <a:p>
+            <a:pPr>
+              <a:defRPr sz="1800"/>
+            </a:pPr>
+            <a:r>
+              <a:rPr dirty="0"/>
+              <a:t>Replace Flatten + Dense with GlobalAveragePooling2D + Dense</a:t>
+            </a:r>
+            <a:r>
+              <a:rPr lang="en-GB" dirty="0"/>
+              <a:t>:</a:t>
+            </a:r>
+            <a:r>
+              <a:rPr dirty="0"/>
+              <a:t> compare parameters</a:t>
+            </a:r>
+            <a:r>
+              <a:rPr lang="en-GB" dirty="0"/>
+              <a:t> and architectures</a:t>
+            </a:r>
+            <a:r>
+              <a:rPr dirty="0"/>
+              <a:t>.</a:t>
+            </a:r>
+            <a:endParaRPr lang="en-GB" dirty="0"/>
+          </a:p>
+          <a:p>
+            <a:pPr>
+              <a:defRPr sz="1800"/>
+            </a:pPr>
+            <a:endParaRPr lang="en-GB" dirty="0"/>
+          </a:p>
+          <a:p>
+            <a:pPr>
+              <a:defRPr sz="1800"/>
+            </a:pPr>
+            <a:r>
+              <a:rPr lang="en-GB" dirty="0"/>
+              <a:t>How to pick these hyperparameters?</a:t>
+            </a:r>
+            <a:endParaRPr dirty="0"/>
+          </a:p>
+        </p:txBody>
+      </p:sp>
+    </p:spTree>
+  </p:cSld>
+  <p:clrMapOvr>
+    <a:masterClrMapping/>
+  </p:clrMapOvr>
+</p:sld>
+</file>
+
+<file path=ppt/slides/slide23.xml><?xml version="1.0" encoding="utf-8"?>
+<p:sld xmlns:a="http://schemas.openxmlformats.org/drawingml/2006/main" xmlns:r="http://schemas.openxmlformats.org/officeDocument/2006/relationships" xmlns:p="http://schemas.openxmlformats.org/presentationml/2006/main">
+  <p:cSld>
+    <p:spTree>
+      <p:nvGrpSpPr>
+        <p:cNvPr id="1" name=""/>
+        <p:cNvGrpSpPr/>
+        <p:nvPr/>
+      </p:nvGrpSpPr>
+      <p:grpSpPr>
+        <a:xfrm>
+          <a:off x="0" y="0"/>
+          <a:ext cx="0" cy="0"/>
+          <a:chOff x="0" y="0"/>
+          <a:chExt cx="0" cy="0"/>
+        </a:xfrm>
+      </p:grpSpPr>
+      <p:sp>
+        <p:nvSpPr>
+          <p:cNvPr id="2" name="Title 1"/>
+          <p:cNvSpPr>
+            <a:spLocks noGrp="1"/>
+          </p:cNvSpPr>
+          <p:nvPr>
+            <p:ph type="title"/>
+          </p:nvPr>
+        </p:nvSpPr>
+        <p:spPr/>
+        <p:txBody>
+          <a:bodyPr/>
+          <a:lstStyle/>
+          <a:p>
+            <a:r>
+              <a:t>Further reading &amp; resources</a:t>
+            </a:r>
+          </a:p>
+        </p:txBody>
+      </p:sp>
+      <p:sp>
+        <p:nvSpPr>
+          <p:cNvPr id="3" name="Content Placeholder 2"/>
+          <p:cNvSpPr>
+            <a:spLocks noGrp="1"/>
+          </p:cNvSpPr>
+          <p:nvPr>
+            <p:ph idx="1"/>
+          </p:nvPr>
+        </p:nvSpPr>
+        <p:spPr/>
+        <p:txBody>
+          <a:bodyPr/>
+          <a:lstStyle/>
+          <a:p>
+            <a:pPr>
+              <a:defRPr sz="1800"/>
+            </a:pPr>
+            <a:r>
+              <a:rPr lang="en-GB" dirty="0">
+                <a:hlinkClick r:id="rId2"/>
+              </a:rPr>
+              <a:t>https://www.statlearning.com/</a:t>
+            </a:r>
+            <a:endParaRPr lang="en-GB" dirty="0"/>
+          </a:p>
+          <a:p>
+            <a:pPr>
+              <a:defRPr sz="1800"/>
+            </a:pPr>
+            <a:endParaRPr dirty="0"/>
+          </a:p>
+          <a:p>
+            <a:pPr>
+              <a:defRPr sz="1800"/>
+            </a:pPr>
+            <a:r>
+              <a:rPr dirty="0" err="1"/>
+              <a:t>Keras</a:t>
+            </a:r>
+            <a:r>
+              <a:rPr dirty="0"/>
+              <a:t> documentation: layers.Conv2D, layers.MaxPooling2D.</a:t>
+            </a:r>
+            <a:endParaRPr lang="en-GB" dirty="0"/>
+          </a:p>
+          <a:p>
+            <a:pPr>
+              <a:defRPr sz="1800"/>
+            </a:pPr>
+            <a:r>
+              <a:rPr lang="en-GB" dirty="0">
+                <a:hlinkClick r:id="rId3"/>
+              </a:rPr>
+              <a:t>https://keras.io/</a:t>
+            </a:r>
+            <a:endParaRPr lang="en-GB" dirty="0"/>
+          </a:p>
+          <a:p>
+            <a:pPr>
+              <a:defRPr sz="1800"/>
+            </a:pPr>
+            <a:endParaRPr dirty="0"/>
+          </a:p>
+        </p:txBody>
+      </p:sp>
+    </p:spTree>
+  </p:cSld>
+  <p:clrMapOvr>
+    <a:masterClrMapping/>
+  </p:clrMapOvr>
+</p:sld>
+</file>
+
+<file path=ppt/slides/slide24.xml><?xml version="1.0" encoding="utf-8"?>
+<p:sld xmlns:a="http://schemas.openxmlformats.org/drawingml/2006/main" xmlns:r="http://schemas.openxmlformats.org/officeDocument/2006/relationships" xmlns:p="http://schemas.openxmlformats.org/presentationml/2006/main">
+  <p:cSld>
+    <p:spTree>
+      <p:nvGrpSpPr>
+        <p:cNvPr id="1" name=""/>
+        <p:cNvGrpSpPr/>
+        <p:nvPr/>
+      </p:nvGrpSpPr>
+      <p:grpSpPr>
+        <a:xfrm>
+          <a:off x="0" y="0"/>
+          <a:ext cx="0" cy="0"/>
+          <a:chOff x="0" y="0"/>
+          <a:chExt cx="0" cy="0"/>
+        </a:xfrm>
+      </p:grpSpPr>
+      <p:sp>
+        <p:nvSpPr>
+          <p:cNvPr id="2" name="Title 1"/>
+          <p:cNvSpPr>
+            <a:spLocks noGrp="1"/>
+          </p:cNvSpPr>
+          <p:nvPr>
+            <p:ph type="title"/>
+          </p:nvPr>
+        </p:nvSpPr>
+        <p:spPr/>
+        <p:txBody>
+          <a:bodyPr/>
+          <a:lstStyle/>
+          <a:p>
+            <a:r>
+              <a:rPr lang="en-GB" dirty="0"/>
+              <a:t>Resources</a:t>
+            </a:r>
+            <a:endParaRPr dirty="0"/>
+          </a:p>
+        </p:txBody>
+      </p:sp>
+      <p:sp>
+        <p:nvSpPr>
+          <p:cNvPr id="3" name="Content Placeholder 2"/>
+          <p:cNvSpPr>
+            <a:spLocks noGrp="1"/>
+          </p:cNvSpPr>
+          <p:nvPr>
+            <p:ph idx="1"/>
+          </p:nvPr>
+        </p:nvSpPr>
+        <p:spPr/>
+        <p:txBody>
+          <a:bodyPr/>
+          <a:lstStyle/>
+          <a:p>
+            <a:pPr>
+              <a:defRPr sz="1800"/>
+            </a:pPr>
+            <a:r>
+              <a:rPr lang="en-GB" dirty="0">
+                <a:hlinkClick r:id="rId2"/>
+              </a:rPr>
+              <a:t>https://github.com/neelsoumya/teaching_neural_networks/blob/main/cnn_simple.py</a:t>
+            </a:r>
+            <a:endParaRPr lang="en-GB" dirty="0"/>
+          </a:p>
+          <a:p>
+            <a:pPr>
+              <a:defRPr sz="1800"/>
+            </a:pPr>
+            <a:endParaRPr lang="en-GB" dirty="0"/>
+          </a:p>
+          <a:p>
+            <a:pPr>
+              <a:defRPr sz="1800"/>
+            </a:pPr>
+            <a:r>
+              <a:rPr lang="en-GB" dirty="0">
+                <a:hlinkClick r:id="rId3"/>
+              </a:rPr>
+              <a:t>https://github.com/neelsoumya/</a:t>
+            </a:r>
+            <a:r>
+              <a:rPr lang="en-GB" dirty="0" err="1">
+                <a:hlinkClick r:id="rId3"/>
+              </a:rPr>
+              <a:t>teaching_neural_network</a:t>
+            </a:r>
+            <a:r>
+              <a:rPr lang="en-GB" dirty="0" err="1"/>
+              <a:t>s</a:t>
+            </a:r>
+            <a:endParaRPr lang="en-GB" dirty="0"/>
+          </a:p>
+        </p:txBody>
+      </p:sp>
+    </p:spTree>
+  </p:cSld>
+  <p:clrMapOvr>
+    <a:masterClrMapping/>
+  </p:clrMapOvr>
+</p:sld>
+</file>
+
+<file path=ppt/slides/slide3.xml><?xml version="1.0" encoding="utf-8"?>
+<p:sld xmlns:a="http://schemas.openxmlformats.org/drawingml/2006/main" xmlns:r="http://schemas.openxmlformats.org/officeDocument/2006/relationships" xmlns:p="http://schemas.openxmlformats.org/presentationml/2006/main">
+  <p:cSld>
+    <p:spTree>
+      <p:nvGrpSpPr>
+        <p:cNvPr id="1" name=""/>
+        <p:cNvGrpSpPr/>
+        <p:nvPr/>
+      </p:nvGrpSpPr>
+      <p:grpSpPr>
+        <a:xfrm>
+          <a:off x="0" y="0"/>
+          <a:ext cx="0" cy="0"/>
+          <a:chOff x="0" y="0"/>
+          <a:chExt cx="0" cy="0"/>
+        </a:xfrm>
+      </p:grpSpPr>
+      <p:sp>
+        <p:nvSpPr>
+          <p:cNvPr id="2" name="Title 1"/>
+          <p:cNvSpPr>
+            <a:spLocks noGrp="1"/>
+          </p:cNvSpPr>
+          <p:nvPr>
+            <p:ph type="title"/>
+          </p:nvPr>
+        </p:nvSpPr>
+        <p:spPr/>
+        <p:txBody>
+          <a:bodyPr/>
+          <a:lstStyle/>
+          <a:p>
+            <a:r>
+              <a:t>Why CNNs?</a:t>
+            </a:r>
+          </a:p>
+        </p:txBody>
+      </p:sp>
+      <p:sp>
+        <p:nvSpPr>
+          <p:cNvPr id="3" name="Content Placeholder 2"/>
+          <p:cNvSpPr>
+            <a:spLocks noGrp="1"/>
+          </p:cNvSpPr>
+          <p:nvPr>
+            <p:ph idx="1"/>
+          </p:nvPr>
+        </p:nvSpPr>
+        <p:spPr/>
+        <p:txBody>
+          <a:bodyPr/>
+          <a:lstStyle/>
+          <a:p>
+            <a:pPr>
+              <a:defRPr sz="1800"/>
+            </a:pPr>
+            <a:r>
+              <a:t>Images have local structure and spatially-correlated pixels.</a:t>
+            </a:r>
+          </a:p>
+          <a:p>
+            <a:pPr>
+              <a:defRPr sz="1800"/>
+            </a:pPr>
+            <a:r>
+              <a:t>Convolutions exploit locality and parameter sharing.</a:t>
+            </a:r>
+          </a:p>
+          <a:p>
+            <a:pPr>
+              <a:defRPr sz="1800"/>
+            </a:pPr>
+            <a:r>
+              <a:t>Far fewer parameters than dense networks for images.</a:t>
+            </a:r>
+          </a:p>
+          <a:p>
+            <a:pPr>
+              <a:defRPr sz="1800"/>
+            </a:pPr>
+            <a:r>
+              <a:t>Translation equivariance: same feature detected anywhere.</a:t>
+            </a:r>
+          </a:p>
+        </p:txBody>
+      </p:sp>
+    </p:spTree>
   </p:cSld>
   <p:clrMapOvr>
     <a:masterClrMapping/>
